--- a/Documents/POW4.pptx
+++ b/Documents/POW4.pptx
@@ -3413,7 +3413,7 @@
           <a:p>
             <a:r>
               <a:rPr lang="en-US" dirty="0"/>
-              <a:t>Week 4</a:t>
+              <a:t>Week 6</a:t>
             </a:r>
             <a:endParaRPr lang="en-NL" dirty="0"/>
           </a:p>
@@ -3567,6 +3567,8 @@
               </a:rPr>
               <a:t>amount of zero’s), nonce++</a:t>
             </a:r>
+          </a:p>
+          <a:p>
             <a:br>
               <a:rPr lang="en-US" b="0" dirty="0">
                 <a:solidFill>
@@ -3601,9 +3603,12 @@
               <a:t>cur_hash</a:t>
             </a:r>
             <a:r>
-              <a:rPr lang="en-US"/>
+              <a:rPr lang="en-US" dirty="0"/>
               <a:t>)</a:t>
             </a:r>
+          </a:p>
+          <a:p>
+            <a:endParaRPr lang="en-US" dirty="0"/>
           </a:p>
           <a:p>
             <a:endParaRPr lang="en-US" dirty="0"/>
@@ -3721,6 +3726,100 @@
           </a:p>
         </p:txBody>
       </p:sp>
+      <p:pic>
+        <p:nvPicPr>
+          <p:cNvPr id="1026" name="Picture 2">
+            <a:extLst>
+              <a:ext uri="{FF2B5EF4-FFF2-40B4-BE49-F238E27FC236}">
+                <a16:creationId xmlns:a16="http://schemas.microsoft.com/office/drawing/2014/main" id="{CB115ADE-CD53-2B5B-C5A6-C400422E4DC4}"/>
+              </a:ext>
+            </a:extLst>
+          </p:cNvPr>
+          <p:cNvPicPr>
+            <a:picLocks noChangeAspect="1" noChangeArrowheads="1"/>
+          </p:cNvPicPr>
+          <p:nvPr/>
+        </p:nvPicPr>
+        <p:blipFill>
+          <a:blip r:embed="rId2">
+            <a:extLst>
+              <a:ext uri="{28A0092B-C50C-407E-A947-70E740481C1C}">
+                <a14:useLocalDpi xmlns:a14="http://schemas.microsoft.com/office/drawing/2010/main" val="0"/>
+              </a:ext>
+            </a:extLst>
+          </a:blip>
+          <a:srcRect/>
+          <a:stretch>
+            <a:fillRect/>
+          </a:stretch>
+        </p:blipFill>
+        <p:spPr bwMode="auto">
+          <a:xfrm>
+            <a:off x="365246" y="3516287"/>
+            <a:ext cx="5638528" cy="3314812"/>
+          </a:xfrm>
+          <a:prstGeom prst="rect">
+            <a:avLst/>
+          </a:prstGeom>
+          <a:noFill/>
+          <a:extLst>
+            <a:ext uri="{909E8E84-426E-40DD-AFC4-6F175D3DCCD1}">
+              <a14:hiddenFill xmlns:a14="http://schemas.microsoft.com/office/drawing/2010/main">
+                <a:solidFill>
+                  <a:srgbClr val="FFFFFF"/>
+                </a:solidFill>
+              </a14:hiddenFill>
+            </a:ext>
+          </a:extLst>
+        </p:spPr>
+      </p:pic>
+      <p:pic>
+        <p:nvPicPr>
+          <p:cNvPr id="1028" name="Picture 4">
+            <a:extLst>
+              <a:ext uri="{FF2B5EF4-FFF2-40B4-BE49-F238E27FC236}">
+                <a16:creationId xmlns:a16="http://schemas.microsoft.com/office/drawing/2014/main" id="{88665F11-C284-E11B-FB36-BE8785B8B8CF}"/>
+              </a:ext>
+            </a:extLst>
+          </p:cNvPr>
+          <p:cNvPicPr>
+            <a:picLocks noChangeAspect="1" noChangeArrowheads="1"/>
+          </p:cNvPicPr>
+          <p:nvPr/>
+        </p:nvPicPr>
+        <p:blipFill>
+          <a:blip r:embed="rId3">
+            <a:extLst>
+              <a:ext uri="{28A0092B-C50C-407E-A947-70E740481C1C}">
+                <a14:useLocalDpi xmlns:a14="http://schemas.microsoft.com/office/drawing/2010/main" val="0"/>
+              </a:ext>
+            </a:extLst>
+          </a:blip>
+          <a:srcRect/>
+          <a:stretch>
+            <a:fillRect/>
+          </a:stretch>
+        </p:blipFill>
+        <p:spPr bwMode="auto">
+          <a:xfrm>
+            <a:off x="6267832" y="3575050"/>
+            <a:ext cx="5621162" cy="3190935"/>
+          </a:xfrm>
+          <a:prstGeom prst="rect">
+            <a:avLst/>
+          </a:prstGeom>
+          <a:noFill/>
+          <a:extLst>
+            <a:ext uri="{909E8E84-426E-40DD-AFC4-6F175D3DCCD1}">
+              <a14:hiddenFill xmlns:a14="http://schemas.microsoft.com/office/drawing/2010/main">
+                <a:solidFill>
+                  <a:srgbClr val="FFFFFF"/>
+                </a:solidFill>
+              </a14:hiddenFill>
+            </a:ext>
+          </a:extLst>
+        </p:spPr>
+      </p:pic>
     </p:spTree>
     <p:extLst>
       <p:ext uri="{BB962C8B-B14F-4D97-AF65-F5344CB8AC3E}">
@@ -3808,43 +3907,15 @@
             </a:pPr>
             <a:r>
               <a:rPr lang="en-US" b="1" dirty="0"/>
-              <a:t>- Consensus met </a:t>
+              <a:t>- HTTPS </a:t>
             </a:r>
             <a:r>
               <a:rPr lang="en-US" b="1" dirty="0" err="1"/>
-              <a:t>PoW</a:t>
-            </a:r>
-            <a:endParaRPr lang="en-US" b="1" dirty="0"/>
-          </a:p>
-          <a:p>
-            <a:pPr marL="0" indent="0">
-              <a:buNone/>
-            </a:pPr>
+              <a:t>gebruiken</a:t>
+            </a:r>
             <a:r>
               <a:rPr lang="en-US" b="1" dirty="0"/>
-              <a:t>- Blockchain </a:t>
-            </a:r>
-            <a:r>
-              <a:rPr lang="en-US" b="1" dirty="0" err="1"/>
-              <a:t>hashcheck</a:t>
-            </a:r>
-            <a:endParaRPr lang="en-US" b="1" dirty="0"/>
-          </a:p>
-          <a:p>
-            <a:pPr marL="0" indent="0">
-              <a:buNone/>
-            </a:pPr>
-            <a:r>
-              <a:rPr lang="en-US" b="1" dirty="0"/>
-              <a:t>- Encrypt de </a:t>
-            </a:r>
-            <a:r>
-              <a:rPr lang="en-US" b="1" dirty="0" err="1"/>
-              <a:t>opgeslagen</a:t>
-            </a:r>
-            <a:r>
-              <a:rPr lang="en-US" b="1" dirty="0"/>
-              <a:t> blockchain </a:t>
+              <a:t> </a:t>
             </a:r>
             <a:r>
               <a:rPr lang="en-US" b="1" dirty="0" err="1"/>
@@ -3852,12 +3923,74 @@
             </a:r>
             <a:r>
               <a:rPr lang="en-US" b="1" dirty="0"/>
+              <a:t> server</a:t>
+            </a:r>
+          </a:p>
+          <a:p>
+            <a:pPr marL="0" indent="0">
+              <a:buNone/>
+            </a:pPr>
+            <a:r>
+              <a:rPr lang="en-US" b="1" dirty="0"/>
+              <a:t>- </a:t>
+            </a:r>
+            <a:r>
+              <a:rPr lang="en-US" b="1" dirty="0" err="1"/>
+              <a:t>Ontwerpen</a:t>
+            </a:r>
+            <a:r>
+              <a:rPr lang="en-US" b="1" dirty="0"/>
               <a:t> </a:t>
             </a:r>
             <a:r>
               <a:rPr lang="en-US" b="1" dirty="0" err="1"/>
-              <a:t>veiligheid</a:t>
-            </a:r>
+              <a:t>verschillende</a:t>
+            </a:r>
+            <a:r>
+              <a:rPr lang="en-US" b="1" dirty="0"/>
+              <a:t> </a:t>
+            </a:r>
+            <a:r>
+              <a:rPr lang="en-US" b="1" dirty="0" err="1"/>
+              <a:t>webpagina’s</a:t>
+            </a:r>
+            <a:r>
+              <a:rPr lang="en-US" b="1" dirty="0"/>
+              <a:t> </a:t>
+            </a:r>
+            <a:r>
+              <a:rPr lang="en-US" b="1" dirty="0" err="1"/>
+              <a:t>voor</a:t>
+            </a:r>
+            <a:r>
+              <a:rPr lang="en-US" b="1" dirty="0"/>
+              <a:t> stakeholders (view, write</a:t>
+            </a:r>
+            <a:r>
+              <a:rPr lang="en-US" b="1"/>
+              <a:t>, validate) </a:t>
+            </a:r>
+            <a:br>
+              <a:rPr lang="en-US" b="1" dirty="0"/>
+            </a:br>
+            <a:br>
+              <a:rPr lang="en-US" b="1" dirty="0"/>
+            </a:br>
+            <a:r>
+              <a:rPr lang="en-US" b="1" dirty="0"/>
+              <a:t>- </a:t>
+            </a:r>
+            <a:r>
+              <a:rPr lang="en-US" b="1" dirty="0" err="1"/>
+              <a:t>Beginnen</a:t>
+            </a:r>
+            <a:r>
+              <a:rPr lang="en-US" b="1" dirty="0"/>
+              <a:t> met de Hardware Module</a:t>
+            </a:r>
+            <a:br>
+              <a:rPr lang="en-US" b="1" dirty="0"/>
+            </a:br>
             <a:endParaRPr lang="en-US" b="1" dirty="0"/>
           </a:p>
         </p:txBody>
